--- a/CalendarioAgo2022/presentaciones/10_DiccionariosTuplas.pptx
+++ b/CalendarioAgo2022/presentaciones/10_DiccionariosTuplas.pptx
@@ -8210,7 +8210,7 @@
                 <a:latin typeface="Arial" pitchFamily="34" charset="0"/>
                 <a:cs typeface="Arial" pitchFamily="34" charset="0"/>
               </a:rPr>
-              <a:t>none</a:t>
+              <a:t>None</a:t>
             </a:r>
             <a:r>
               <a:rPr lang="es-ES" sz="2300" dirty="0">
